--- a/Aula 00 - 01/2023.02.27 Aula 00 - Aula Magna e Orientações v1.pptx
+++ b/Aula 00 - 01/2023.02.27 Aula 00 - Aula Magna e Orientações v1.pptx
@@ -4886,7 +4886,7 @@
             <a:fld id="{4EA5E1ED-E65E-440E-8A4B-5F5DC973F797}" type="datetimeFigureOut">
               <a:rPr lang="pt-BR" smtClean="0"/>
               <a:pPr/>
-              <a:t>27/02/2023</a:t>
+              <a:t>13/03/2023</a:t>
             </a:fld>
             <a:endParaRPr lang="pt-BR"/>
           </a:p>
@@ -5303,7 +5303,7 @@
           <a:p>
             <a:fld id="{1787AD07-0C2A-424C-83EF-FCCF4A0D3BA0}" type="datetime1">
               <a:rPr lang="pt-BR" smtClean="0"/>
-              <a:t>27/02/2023</a:t>
+              <a:t>13/03/2023</a:t>
             </a:fld>
             <a:endParaRPr lang="pt-BR"/>
           </a:p>
@@ -5472,7 +5472,7 @@
           <a:p>
             <a:fld id="{2F92FB66-59C8-46A5-AD82-5DAAFD2DC390}" type="datetime1">
               <a:rPr lang="pt-BR" smtClean="0"/>
-              <a:t>27/02/2023</a:t>
+              <a:t>13/03/2023</a:t>
             </a:fld>
             <a:endParaRPr lang="pt-BR"/>
           </a:p>
@@ -5651,7 +5651,7 @@
           <a:p>
             <a:fld id="{3D5CC8D2-C61E-4471-AD68-1C0D45A8EAFC}" type="datetime1">
               <a:rPr lang="pt-BR" smtClean="0"/>
-              <a:t>27/02/2023</a:t>
+              <a:t>13/03/2023</a:t>
             </a:fld>
             <a:endParaRPr lang="pt-BR"/>
           </a:p>
@@ -5794,7 +5794,7 @@
           <a:p>
             <a:fld id="{C3E38981-C08A-4A29-B885-392FB4EE0709}" type="datetime1">
               <a:rPr lang="pt-BR" smtClean="0"/>
-              <a:t>27/02/2023</a:t>
+              <a:t>13/03/2023</a:t>
             </a:fld>
             <a:endParaRPr lang="en-US" dirty="0"/>
           </a:p>
@@ -6179,7 +6179,7 @@
           <a:p>
             <a:fld id="{2CFE63D7-5B4A-40A4-8FD4-EA63D1010EB7}" type="datetime1">
               <a:rPr lang="pt-BR" smtClean="0"/>
-              <a:t>27/02/2023</a:t>
+              <a:t>13/03/2023</a:t>
             </a:fld>
             <a:endParaRPr lang="en-US" dirty="0"/>
           </a:p>
@@ -6401,7 +6401,7 @@
           <a:p>
             <a:fld id="{A9719147-5557-4D76-A2C3-BF25882771D2}" type="datetime1">
               <a:rPr lang="pt-BR" smtClean="0"/>
-              <a:t>27/02/2023</a:t>
+              <a:t>13/03/2023</a:t>
             </a:fld>
             <a:endParaRPr lang="en-US" dirty="0"/>
           </a:p>
@@ -6714,7 +6714,7 @@
           <a:p>
             <a:fld id="{66250340-7104-44A8-88A9-88532CCE9C1C}" type="datetime1">
               <a:rPr lang="pt-BR" smtClean="0"/>
-              <a:t>27/02/2023</a:t>
+              <a:t>13/03/2023</a:t>
             </a:fld>
             <a:endParaRPr lang="en-US" dirty="0"/>
           </a:p>
@@ -6899,7 +6899,7 @@
           <a:p>
             <a:fld id="{D047EA32-7810-48BE-A9BB-EA3D8AA5AD34}" type="datetime1">
               <a:rPr lang="pt-BR" smtClean="0"/>
-              <a:t>27/02/2023</a:t>
+              <a:t>13/03/2023</a:t>
             </a:fld>
             <a:endParaRPr lang="en-US" dirty="0"/>
           </a:p>
@@ -7047,7 +7047,7 @@
           <a:p>
             <a:fld id="{7C28E9E9-B91F-400E-BE43-87BB4B5C6F4E}" type="datetime1">
               <a:rPr lang="pt-BR" smtClean="0"/>
-              <a:t>27/02/2023</a:t>
+              <a:t>13/03/2023</a:t>
             </a:fld>
             <a:endParaRPr lang="en-US" dirty="0"/>
           </a:p>
@@ -7299,7 +7299,7 @@
           <a:p>
             <a:fld id="{A9E773EA-BFD5-41D4-8CCD-2C9F67DAB481}" type="datetime1">
               <a:rPr lang="pt-BR" smtClean="0"/>
-              <a:t>27/02/2023</a:t>
+              <a:t>13/03/2023</a:t>
             </a:fld>
             <a:endParaRPr lang="pt-BR" dirty="0"/>
           </a:p>
@@ -7501,7 +7501,7 @@
           <a:p>
             <a:fld id="{DAA7C8B6-CF57-4A95-AF6C-A77E6C230ED3}" type="datetime1">
               <a:rPr lang="pt-BR" smtClean="0"/>
-              <a:t>27/02/2023</a:t>
+              <a:t>13/03/2023</a:t>
             </a:fld>
             <a:endParaRPr lang="pt-BR"/>
           </a:p>
@@ -7785,7 +7785,7 @@
           <a:p>
             <a:fld id="{34D50989-24C8-4023-9B0D-A6D249548FD9}" type="datetime1">
               <a:rPr lang="pt-BR" smtClean="0"/>
-              <a:t>27/02/2023</a:t>
+              <a:t>13/03/2023</a:t>
             </a:fld>
             <a:endParaRPr lang="pt-BR"/>
           </a:p>
@@ -8021,7 +8021,7 @@
           <a:p>
             <a:fld id="{8D9BC96A-9776-4585-A439-BC9E2DA226C1}" type="datetime1">
               <a:rPr lang="pt-BR" smtClean="0"/>
-              <a:t>27/02/2023</a:t>
+              <a:t>13/03/2023</a:t>
             </a:fld>
             <a:endParaRPr lang="pt-BR"/>
           </a:p>
@@ -8404,7 +8404,7 @@
           <a:p>
             <a:fld id="{7D12BE36-2922-4567-BD67-201EFA21BF6D}" type="datetime1">
               <a:rPr lang="pt-BR" smtClean="0"/>
-              <a:t>27/02/2023</a:t>
+              <a:t>13/03/2023</a:t>
             </a:fld>
             <a:endParaRPr lang="pt-BR"/>
           </a:p>
@@ -8516,7 +8516,7 @@
           <a:p>
             <a:fld id="{E5B462A9-4B1E-4013-BFB1-FC92225AC2F2}" type="datetime1">
               <a:rPr lang="pt-BR" smtClean="0"/>
-              <a:t>27/02/2023</a:t>
+              <a:t>13/03/2023</a:t>
             </a:fld>
             <a:endParaRPr lang="pt-BR"/>
           </a:p>
@@ -8600,7 +8600,7 @@
           <a:p>
             <a:fld id="{D0E6EC7A-67E7-4978-9BAE-C8F82A40B13B}" type="datetime1">
               <a:rPr lang="pt-BR" smtClean="0"/>
-              <a:t>27/02/2023</a:t>
+              <a:t>13/03/2023</a:t>
             </a:fld>
             <a:endParaRPr lang="pt-BR"/>
           </a:p>
@@ -8882,7 +8882,7 @@
           <a:p>
             <a:fld id="{6E085A4E-80B8-47DD-9D9B-8E1B205CBB30}" type="datetime1">
               <a:rPr lang="pt-BR" smtClean="0"/>
-              <a:t>27/02/2023</a:t>
+              <a:t>13/03/2023</a:t>
             </a:fld>
             <a:endParaRPr lang="pt-BR"/>
           </a:p>
@@ -9141,7 +9141,7 @@
           <a:p>
             <a:fld id="{F4E9A02C-D9AD-4B8C-9B93-B0980E8E86EB}" type="datetime1">
               <a:rPr lang="pt-BR" smtClean="0"/>
-              <a:t>27/02/2023</a:t>
+              <a:t>13/03/2023</a:t>
             </a:fld>
             <a:endParaRPr lang="pt-BR"/>
           </a:p>
@@ -9353,7 +9353,7 @@
           <a:p>
             <a:fld id="{202762D0-3A59-4B14-83BA-8E0FC8A60AB1}" type="datetime1">
               <a:rPr lang="pt-BR" smtClean="0"/>
-              <a:t>27/02/2023</a:t>
+              <a:t>13/03/2023</a:t>
             </a:fld>
             <a:endParaRPr lang="pt-BR"/>
           </a:p>
@@ -15113,14 +15113,14 @@
           <p:nvPr>
             <p:extLst>
               <p:ext uri="{D42A27DB-BD31-4B8C-83A1-F6EECF244321}">
-                <p14:modId xmlns:p14="http://schemas.microsoft.com/office/powerpoint/2010/main" val="3422026280"/>
+                <p14:modId xmlns:p14="http://schemas.microsoft.com/office/powerpoint/2010/main" val="3104883348"/>
               </p:ext>
             </p:extLst>
           </p:nvPr>
         </p:nvGraphicFramePr>
         <p:xfrm>
           <a:off x="323528" y="1089371"/>
-          <a:ext cx="7992888" cy="5117023"/>
+          <a:ext cx="7992888" cy="5230121"/>
         </p:xfrm>
         <a:graphic>
           <a:graphicData uri="http://schemas.openxmlformats.org/drawingml/2006/table">
@@ -15471,42 +15471,6 @@
                         </a:rPr>
                         <a:t>Lights</a:t>
                       </a:r>
-                      <a:r>
-                        <a:rPr lang="pt-BR" sz="900" dirty="0">
-                          <a:latin typeface="Gotham HTF"/>
-                        </a:rPr>
-                        <a:t> / </a:t>
-                      </a:r>
-                      <a:r>
-                        <a:rPr lang="pt-BR" sz="900" dirty="0" err="1">
-                          <a:latin typeface="Gotham HTF"/>
-                        </a:rPr>
-                        <a:t>Interactive</a:t>
-                      </a:r>
-                      <a:r>
-                        <a:rPr lang="pt-BR" sz="900" dirty="0">
-                          <a:latin typeface="Gotham HTF"/>
-                        </a:rPr>
-                        <a:t> </a:t>
-                      </a:r>
-                      <a:r>
-                        <a:rPr lang="pt-BR" sz="900" dirty="0" err="1">
-                          <a:latin typeface="Gotham HTF"/>
-                        </a:rPr>
-                        <a:t>Traffic</a:t>
-                      </a:r>
-                      <a:r>
-                        <a:rPr lang="pt-BR" sz="900" dirty="0">
-                          <a:latin typeface="Gotham HTF"/>
-                        </a:rPr>
-                        <a:t> </a:t>
-                      </a:r>
-                      <a:r>
-                        <a:rPr lang="pt-BR" sz="900" dirty="0" err="1">
-                          <a:latin typeface="Gotham HTF"/>
-                        </a:rPr>
-                        <a:t>Lights</a:t>
-                      </a:r>
                       <a:endParaRPr lang="pt-BR" sz="900" dirty="0">
                         <a:latin typeface="Gotham HTF"/>
                       </a:endParaRPr>
@@ -15519,6 +15483,23 @@
                     <a:bodyPr/>
                     <a:lstStyle/>
                     <a:p>
+                      <a:pPr marL="0" marR="0" lvl="0" indent="0" algn="l" defTabSz="914400" rtl="0" eaLnBrk="1" fontAlgn="auto" latinLnBrk="0" hangingPunct="1">
+                        <a:lnSpc>
+                          <a:spcPct val="100000"/>
+                        </a:lnSpc>
+                        <a:spcBef>
+                          <a:spcPts val="0"/>
+                        </a:spcBef>
+                        <a:spcAft>
+                          <a:spcPts val="0"/>
+                        </a:spcAft>
+                        <a:buClrTx/>
+                        <a:buSzTx/>
+                        <a:buFontTx/>
+                        <a:buNone/>
+                        <a:tabLst/>
+                        <a:defRPr/>
+                      </a:pPr>
                       <a:endParaRPr lang="pt-BR" sz="900" dirty="0">
                         <a:solidFill>
                           <a:srgbClr val="FF0000"/>
@@ -15578,7 +15559,43 @@
                         <a:rPr lang="pt-BR" sz="900" dirty="0">
                           <a:latin typeface="Gotham HTF"/>
                         </a:rPr>
-                        <a:t>Aula 04 – Chase </a:t>
+                        <a:t>Aula 04 – </a:t>
+                      </a:r>
+                      <a:r>
+                        <a:rPr lang="pt-BR" sz="900" dirty="0" err="1">
+                          <a:latin typeface="Gotham HTF"/>
+                        </a:rPr>
+                        <a:t>Interactive</a:t>
+                      </a:r>
+                      <a:r>
+                        <a:rPr lang="pt-BR" sz="900" dirty="0">
+                          <a:latin typeface="Gotham HTF"/>
+                        </a:rPr>
+                        <a:t> </a:t>
+                      </a:r>
+                      <a:r>
+                        <a:rPr lang="pt-BR" sz="900" dirty="0" err="1">
+                          <a:latin typeface="Gotham HTF"/>
+                        </a:rPr>
+                        <a:t>Traffic</a:t>
+                      </a:r>
+                      <a:r>
+                        <a:rPr lang="pt-BR" sz="900" dirty="0">
+                          <a:latin typeface="Gotham HTF"/>
+                        </a:rPr>
+                        <a:t> </a:t>
+                      </a:r>
+                      <a:r>
+                        <a:rPr lang="pt-BR" sz="900" dirty="0" err="1">
+                          <a:latin typeface="Gotham HTF"/>
+                        </a:rPr>
+                        <a:t>Lights</a:t>
+                      </a:r>
+                      <a:r>
+                        <a:rPr lang="pt-BR" sz="900" dirty="0">
+                          <a:latin typeface="Gotham HTF"/>
+                        </a:rPr>
+                        <a:t> / Chase </a:t>
                       </a:r>
                       <a:r>
                         <a:rPr lang="pt-BR" sz="900" dirty="0" err="1">
@@ -15646,7 +15663,55 @@
                     <a:bodyPr/>
                     <a:lstStyle/>
                     <a:p>
+                      <a:pPr marL="0" marR="0" lvl="0" indent="0" algn="l" defTabSz="914400" rtl="0" eaLnBrk="1" fontAlgn="auto" latinLnBrk="0" hangingPunct="1">
+                        <a:lnSpc>
+                          <a:spcPct val="100000"/>
+                        </a:lnSpc>
+                        <a:spcBef>
+                          <a:spcPts val="0"/>
+                        </a:spcBef>
+                        <a:spcAft>
+                          <a:spcPts val="0"/>
+                        </a:spcAft>
+                        <a:buClrTx/>
+                        <a:buSzTx/>
+                        <a:buFontTx/>
+                        <a:buNone/>
+                        <a:tabLst/>
+                        <a:defRPr/>
+                      </a:pPr>
+                      <a:r>
+                        <a:rPr lang="pt-BR" sz="900" dirty="0">
+                          <a:solidFill>
+                            <a:srgbClr val="FF0000"/>
+                          </a:solidFill>
+                          <a:latin typeface="Gotham HTF"/>
+                        </a:rPr>
+                        <a:t>Lançamento do CP1</a:t>
+                      </a:r>
+                    </a:p>
+                    <a:p>
+                      <a:pPr marL="0" marR="0" lvl="0" indent="0" algn="l" defTabSz="914400" rtl="0" eaLnBrk="1" fontAlgn="auto" latinLnBrk="0" hangingPunct="1">
+                        <a:lnSpc>
+                          <a:spcPct val="100000"/>
+                        </a:lnSpc>
+                        <a:spcBef>
+                          <a:spcPts val="0"/>
+                        </a:spcBef>
+                        <a:spcAft>
+                          <a:spcPts val="0"/>
+                        </a:spcAft>
+                        <a:buClrTx/>
+                        <a:buSzTx/>
+                        <a:buFontTx/>
+                        <a:buNone/>
+                        <a:tabLst/>
+                        <a:defRPr/>
+                      </a:pPr>
                       <a:endParaRPr lang="pt-BR" sz="900" dirty="0">
+                        <a:solidFill>
+                          <a:srgbClr val="FF0000"/>
+                        </a:solidFill>
                         <a:latin typeface="Gotham HTF"/>
                       </a:endParaRPr>
                     </a:p>
@@ -15698,78 +15763,28 @@
                     <a:bodyPr/>
                     <a:lstStyle/>
                     <a:p>
+                      <a:pPr marL="0" marR="0" lvl="0" indent="0" algn="l" defTabSz="914400" rtl="0" eaLnBrk="1" fontAlgn="auto" latinLnBrk="0" hangingPunct="1">
+                        <a:lnSpc>
+                          <a:spcPct val="100000"/>
+                        </a:lnSpc>
+                        <a:spcBef>
+                          <a:spcPts val="0"/>
+                        </a:spcBef>
+                        <a:spcAft>
+                          <a:spcPts val="0"/>
+                        </a:spcAft>
+                        <a:buClrTx/>
+                        <a:buSzTx/>
+                        <a:buFontTx/>
+                        <a:buNone/>
+                        <a:tabLst/>
+                        <a:defRPr/>
+                      </a:pPr>
                       <a:r>
                         <a:rPr lang="pt-BR" sz="900" dirty="0">
                           <a:latin typeface="Gotham HTF"/>
                         </a:rPr>
-                        <a:t>Aula 05 – Entrega do Checkpoint 1</a:t>
-                      </a:r>
-                    </a:p>
-                  </a:txBody>
-                  <a:tcPr/>
-                </a:tc>
-                <a:tc>
-                  <a:txBody>
-                    <a:bodyPr/>
-                    <a:lstStyle/>
-                    <a:p>
-                      <a:endParaRPr lang="pt-BR" sz="900" dirty="0">
-                        <a:latin typeface="Gotham HTF"/>
-                      </a:endParaRPr>
-                    </a:p>
-                  </a:txBody>
-                  <a:tcPr/>
-                </a:tc>
-                <a:extLst>
-                  <a:ext uri="{0D108BD9-81ED-4DB2-BD59-A6C34878D82A}">
-                    <a16:rowId xmlns:a16="http://schemas.microsoft.com/office/drawing/2014/main" val="1727146036"/>
-                  </a:ext>
-                </a:extLst>
-              </a:tr>
-              <a:tr h="309211">
-                <a:tc>
-                  <a:txBody>
-                    <a:bodyPr/>
-                    <a:lstStyle/>
-                    <a:p>
-                      <a:r>
-                        <a:rPr lang="pt-BR" sz="900" dirty="0">
-                          <a:solidFill>
-                            <a:schemeClr val="tx1"/>
-                          </a:solidFill>
-                          <a:latin typeface="Gotham HTF"/>
-                        </a:rPr>
-                        <a:t>06</a:t>
-                      </a:r>
-                    </a:p>
-                  </a:txBody>
-                  <a:tcPr/>
-                </a:tc>
-                <a:tc>
-                  <a:txBody>
-                    <a:bodyPr/>
-                    <a:lstStyle/>
-                    <a:p>
-                      <a:r>
-                        <a:rPr lang="pt-BR" sz="900" dirty="0">
-                          <a:latin typeface="Gotham HTF"/>
-                        </a:rPr>
-                        <a:t>03/04; 04/04; 05/04</a:t>
-                      </a:r>
-                    </a:p>
-                  </a:txBody>
-                  <a:tcPr/>
-                </a:tc>
-                <a:tc>
-                  <a:txBody>
-                    <a:bodyPr/>
-                    <a:lstStyle/>
-                    <a:p>
-                      <a:r>
-                        <a:rPr lang="pt-BR" sz="900" dirty="0">
-                          <a:latin typeface="Gotham HTF"/>
-                        </a:rPr>
-                        <a:t>Aula 06 – </a:t>
+                        <a:t>Aula 05 – </a:t>
                       </a:r>
                       <a:r>
                         <a:rPr lang="pt-BR" sz="900" dirty="0" err="1">
@@ -15885,6 +15900,155 @@
                 </a:tc>
                 <a:extLst>
                   <a:ext uri="{0D108BD9-81ED-4DB2-BD59-A6C34878D82A}">
+                    <a16:rowId xmlns:a16="http://schemas.microsoft.com/office/drawing/2014/main" val="1727146036"/>
+                  </a:ext>
+                </a:extLst>
+              </a:tr>
+              <a:tr h="309211">
+                <a:tc>
+                  <a:txBody>
+                    <a:bodyPr/>
+                    <a:lstStyle/>
+                    <a:p>
+                      <a:r>
+                        <a:rPr lang="pt-BR" sz="900" dirty="0">
+                          <a:solidFill>
+                            <a:schemeClr val="tx1"/>
+                          </a:solidFill>
+                          <a:latin typeface="Gotham HTF"/>
+                        </a:rPr>
+                        <a:t>06</a:t>
+                      </a:r>
+                    </a:p>
+                  </a:txBody>
+                  <a:tcPr/>
+                </a:tc>
+                <a:tc>
+                  <a:txBody>
+                    <a:bodyPr/>
+                    <a:lstStyle/>
+                    <a:p>
+                      <a:r>
+                        <a:rPr lang="pt-BR" sz="900" dirty="0">
+                          <a:latin typeface="Gotham HTF"/>
+                        </a:rPr>
+                        <a:t>03/04; 04/04; 05/04</a:t>
+                      </a:r>
+                    </a:p>
+                  </a:txBody>
+                  <a:tcPr/>
+                </a:tc>
+                <a:tc>
+                  <a:txBody>
+                    <a:bodyPr/>
+                    <a:lstStyle/>
+                    <a:p>
+                      <a:pPr marL="0" marR="0" lvl="0" indent="0" algn="l" defTabSz="914400" rtl="0" eaLnBrk="1" fontAlgn="auto" latinLnBrk="0" hangingPunct="1">
+                        <a:lnSpc>
+                          <a:spcPct val="100000"/>
+                        </a:lnSpc>
+                        <a:spcBef>
+                          <a:spcPts val="0"/>
+                        </a:spcBef>
+                        <a:spcAft>
+                          <a:spcPts val="0"/>
+                        </a:spcAft>
+                        <a:buClrTx/>
+                        <a:buSzTx/>
+                        <a:buFontTx/>
+                        <a:buNone/>
+                        <a:tabLst/>
+                        <a:defRPr/>
+                      </a:pPr>
+                      <a:r>
+                        <a:rPr lang="pt-BR" sz="900" dirty="0">
+                          <a:solidFill>
+                            <a:srgbClr val="FF0000"/>
+                          </a:solidFill>
+                          <a:latin typeface="Gotham HTF"/>
+                        </a:rPr>
+                        <a:t>Aula 06 – Entrega do Checkpoint 1 - Serial </a:t>
+                      </a:r>
+                      <a:r>
+                        <a:rPr lang="pt-BR" sz="900" dirty="0" err="1">
+                          <a:solidFill>
+                            <a:srgbClr val="FF0000"/>
+                          </a:solidFill>
+                          <a:latin typeface="Gotham HTF"/>
+                        </a:rPr>
+                        <a:t>Temperature</a:t>
+                      </a:r>
+                      <a:r>
+                        <a:rPr lang="pt-BR" sz="900" dirty="0">
+                          <a:solidFill>
+                            <a:srgbClr val="FF0000"/>
+                          </a:solidFill>
+                          <a:latin typeface="Gotham HTF"/>
+                        </a:rPr>
+                        <a:t> Sensor, Light Sensor e/ou </a:t>
+                      </a:r>
+                      <a:r>
+                        <a:rPr lang="pt-BR" sz="900" dirty="0" err="1">
+                          <a:solidFill>
+                            <a:srgbClr val="FF0000"/>
+                          </a:solidFill>
+                          <a:latin typeface="Gotham HTF"/>
+                        </a:rPr>
+                        <a:t>Ultrassonic</a:t>
+                      </a:r>
+                      <a:r>
+                        <a:rPr lang="pt-BR" sz="900" dirty="0">
+                          <a:solidFill>
+                            <a:srgbClr val="FF0000"/>
+                          </a:solidFill>
+                          <a:latin typeface="Gotham HTF"/>
+                        </a:rPr>
+                        <a:t> Radar</a:t>
+                      </a:r>
+                      <a:endParaRPr lang="pt-BR" sz="900" dirty="0">
+                        <a:latin typeface="Gotham HTF"/>
+                      </a:endParaRPr>
+                    </a:p>
+                  </a:txBody>
+                  <a:tcPr/>
+                </a:tc>
+                <a:tc>
+                  <a:txBody>
+                    <a:bodyPr/>
+                    <a:lstStyle/>
+                    <a:p>
+                      <a:pPr marL="0" marR="0" lvl="0" indent="0" algn="l" defTabSz="914400" rtl="0" eaLnBrk="1" fontAlgn="auto" latinLnBrk="0" hangingPunct="1">
+                        <a:lnSpc>
+                          <a:spcPct val="100000"/>
+                        </a:lnSpc>
+                        <a:spcBef>
+                          <a:spcPts val="0"/>
+                        </a:spcBef>
+                        <a:spcAft>
+                          <a:spcPts val="0"/>
+                        </a:spcAft>
+                        <a:buClrTx/>
+                        <a:buSzTx/>
+                        <a:buFontTx/>
+                        <a:buNone/>
+                        <a:tabLst/>
+                        <a:defRPr/>
+                      </a:pPr>
+                      <a:r>
+                        <a:rPr lang="pt-BR" sz="900" dirty="0">
+                          <a:solidFill>
+                            <a:srgbClr val="FF0000"/>
+                          </a:solidFill>
+                          <a:latin typeface="Gotham HTF"/>
+                        </a:rPr>
+                        <a:t>Lançamento do CP2</a:t>
+                      </a:r>
+                    </a:p>
+                  </a:txBody>
+                  <a:tcPr/>
+                </a:tc>
+                <a:extLst>
+                  <a:ext uri="{0D108BD9-81ED-4DB2-BD59-A6C34878D82A}">
                     <a16:rowId xmlns:a16="http://schemas.microsoft.com/office/drawing/2014/main" val="1187898213"/>
                   </a:ext>
                 </a:extLst>
@@ -15932,19 +16096,7 @@
                         <a:rPr lang="pt-BR" sz="900" dirty="0">
                           <a:latin typeface="Gotham HTF"/>
                         </a:rPr>
-                        <a:t>Aula 07 – Serial </a:t>
-                      </a:r>
-                      <a:r>
-                        <a:rPr lang="pt-BR" sz="900" dirty="0" err="1">
-                          <a:latin typeface="Gotham HTF"/>
-                        </a:rPr>
-                        <a:t>Temperature</a:t>
-                      </a:r>
-                      <a:r>
-                        <a:rPr lang="pt-BR" sz="900" dirty="0">
-                          <a:latin typeface="Gotham HTF"/>
-                        </a:rPr>
-                        <a:t> Sensor, Light Sensor e/ou </a:t>
+                        <a:t>Aula 07 – Drive a DC Motor e/ou </a:t>
                       </a:r>
                       <a:r>
                         <a:rPr lang="pt-BR" sz="900" dirty="0" err="1">
@@ -15967,7 +16119,27 @@
                     <a:bodyPr/>
                     <a:lstStyle/>
                     <a:p>
+                      <a:pPr marL="0" marR="0" lvl="0" indent="0" algn="l" defTabSz="914400" rtl="0" eaLnBrk="1" fontAlgn="auto" latinLnBrk="0" hangingPunct="1">
+                        <a:lnSpc>
+                          <a:spcPct val="100000"/>
+                        </a:lnSpc>
+                        <a:spcBef>
+                          <a:spcPts val="0"/>
+                        </a:spcBef>
+                        <a:spcAft>
+                          <a:spcPts val="0"/>
+                        </a:spcAft>
+                        <a:buClrTx/>
+                        <a:buSzTx/>
+                        <a:buFontTx/>
+                        <a:buNone/>
+                        <a:tabLst/>
+                        <a:defRPr/>
+                      </a:pPr>
                       <a:endParaRPr lang="pt-BR" sz="900" dirty="0">
+                        <a:solidFill>
+                          <a:srgbClr val="FF0000"/>
+                        </a:solidFill>
                         <a:latin typeface="Gotham HTF"/>
                       </a:endParaRPr>
                     </a:p>
@@ -16023,7 +16195,7 @@
                         <a:rPr lang="pt-BR" sz="900" dirty="0">
                           <a:latin typeface="Gotham HTF"/>
                         </a:rPr>
-                        <a:t>Aula 08 – Drive a DC Motor</a:t>
+                        <a:t>Aula 08 – PWM e controle de Servo Motores</a:t>
                       </a:r>
                     </a:p>
                   </a:txBody>
@@ -16095,7 +16267,7 @@
                       <a:r>
                         <a:rPr lang="pt-BR" sz="900" dirty="0">
                           <a:solidFill>
-                            <a:schemeClr val="tx1"/>
+                            <a:srgbClr val="FF0000"/>
                           </a:solidFill>
                           <a:latin typeface="Gotham HTF"/>
                         </a:rPr>
@@ -16178,7 +16350,19 @@
                         <a:rPr lang="pt-BR" sz="900" dirty="0">
                           <a:latin typeface="Gotham HTF"/>
                         </a:rPr>
-                        <a:t>Aula 10 – PWM e controle de Servo Motores</a:t>
+                        <a:t>Aula 10 – Data </a:t>
+                      </a:r>
+                      <a:r>
+                        <a:rPr lang="pt-BR" sz="900" dirty="0" err="1">
+                          <a:latin typeface="Gotham HTF"/>
+                        </a:rPr>
+                        <a:t>Logger</a:t>
+                      </a:r>
+                      <a:r>
+                        <a:rPr lang="pt-BR" sz="900" dirty="0">
+                          <a:latin typeface="Gotham HTF"/>
+                        </a:rPr>
+                        <a:t> e Gravação EEPROM</a:t>
                       </a:r>
                     </a:p>
                   </a:txBody>
@@ -16257,32 +16441,26 @@
                           </a:solidFill>
                           <a:latin typeface="Gotham HTF"/>
                         </a:rPr>
-                        <a:t>Aula 11 – </a:t>
+                        <a:t>Aula 11 – RTC (Real Time </a:t>
                       </a:r>
                       <a:r>
-                        <a:rPr lang="pt-BR" sz="900" dirty="0">
+                        <a:rPr lang="pt-BR" sz="900" b="0" dirty="0" err="1">
+                          <a:solidFill>
+                            <a:schemeClr val="tx1"/>
+                          </a:solidFill>
                           <a:latin typeface="Gotham HTF"/>
                         </a:rPr>
-                        <a:t>Data </a:t>
+                        <a:t>Clock</a:t>
                       </a:r>
                       <a:r>
-                        <a:rPr lang="pt-BR" sz="900" dirty="0" err="1">
+                        <a:rPr lang="pt-BR" sz="900" b="0" dirty="0">
+                          <a:solidFill>
+                            <a:schemeClr val="tx1"/>
+                          </a:solidFill>
                           <a:latin typeface="Gotham HTF"/>
                         </a:rPr>
-                        <a:t>Logger</a:t>
+                        <a:t>)</a:t>
                       </a:r>
-                      <a:r>
-                        <a:rPr lang="pt-BR" sz="900" dirty="0">
-                          <a:latin typeface="Gotham HTF"/>
-                        </a:rPr>
-                        <a:t> e Gravação EEPROM</a:t>
-                      </a:r>
-                      <a:endParaRPr lang="pt-BR" sz="900" b="0" dirty="0">
-                        <a:solidFill>
-                          <a:schemeClr val="tx1"/>
-                        </a:solidFill>
-                        <a:latin typeface="Gotham HTF"/>
-                      </a:endParaRPr>
                     </a:p>
                   </a:txBody>
                   <a:tcPr/>
@@ -16354,31 +16532,56 @@
                         <a:t>Aula 12 – </a:t>
                       </a:r>
                       <a:r>
-                        <a:rPr lang="pt-BR" sz="900" b="0" dirty="0">
-                          <a:solidFill>
-                            <a:schemeClr val="tx1"/>
-                          </a:solidFill>
+                        <a:rPr lang="pt-BR" sz="900" dirty="0" err="1">
                           <a:latin typeface="Gotham HTF"/>
                         </a:rPr>
-                        <a:t>RTC (Real Time </a:t>
+                        <a:t>Bootloader</a:t>
                       </a:r>
                       <a:r>
-                        <a:rPr lang="pt-BR" sz="900" b="0" dirty="0" err="1">
-                          <a:solidFill>
-                            <a:schemeClr val="tx1"/>
-                          </a:solidFill>
+                        <a:rPr lang="pt-BR" sz="900" dirty="0">
                           <a:latin typeface="Gotham HTF"/>
                         </a:rPr>
-                        <a:t>Clock</a:t>
+                        <a:t>, ICSP, Interrupções e </a:t>
                       </a:r>
                       <a:r>
-                        <a:rPr lang="pt-BR" sz="900" b="0" dirty="0">
-                          <a:solidFill>
-                            <a:schemeClr val="tx1"/>
-                          </a:solidFill>
+                        <a:rPr lang="pt-BR" sz="900" dirty="0" err="1">
                           <a:latin typeface="Gotham HTF"/>
                         </a:rPr>
-                        <a:t>)</a:t>
+                        <a:t>Watchdog</a:t>
+                      </a:r>
+                      <a:endParaRPr lang="pt-BR" sz="900" dirty="0">
+                        <a:latin typeface="Gotham HTF"/>
+                      </a:endParaRPr>
+                    </a:p>
+                    <a:p>
+                      <a:pPr marL="0" marR="0" lvl="0" indent="0" algn="l" defTabSz="914400" rtl="0" eaLnBrk="1" fontAlgn="auto" latinLnBrk="0" hangingPunct="1">
+                        <a:lnSpc>
+                          <a:spcPct val="100000"/>
+                        </a:lnSpc>
+                        <a:spcBef>
+                          <a:spcPts val="0"/>
+                        </a:spcBef>
+                        <a:spcAft>
+                          <a:spcPts val="0"/>
+                        </a:spcAft>
+                        <a:buClrTx/>
+                        <a:buSzTx/>
+                        <a:buFontTx/>
+                        <a:buNone/>
+                        <a:tabLst/>
+                        <a:defRPr/>
+                      </a:pPr>
+                      <a:r>
+                        <a:rPr lang="pt-BR" sz="900" dirty="0">
+                          <a:latin typeface="Gotham HTF"/>
+                        </a:rPr>
+                        <a:t>Global </a:t>
+                      </a:r>
+                      <a:r>
+                        <a:rPr lang="pt-BR" sz="900" dirty="0" err="1">
+                          <a:latin typeface="Gotham HTF"/>
+                        </a:rPr>
+                        <a:t>Solutions</a:t>
                       </a:r>
                       <a:endParaRPr lang="pt-BR" sz="900" dirty="0">
                         <a:latin typeface="Gotham HTF"/>
@@ -16451,29 +16654,8 @@
                         <a:rPr lang="pt-BR" sz="900" dirty="0">
                           <a:latin typeface="Gotham HTF"/>
                         </a:rPr>
-                        <a:t>Aula 13 – </a:t>
+                        <a:t>Aula 13 – Comunicação I2C vs. SPI</a:t>
                       </a:r>
-                      <a:r>
-                        <a:rPr lang="pt-BR" sz="900" dirty="0" err="1">
-                          <a:latin typeface="Gotham HTF"/>
-                        </a:rPr>
-                        <a:t>Bootloader</a:t>
-                      </a:r>
-                      <a:r>
-                        <a:rPr lang="pt-BR" sz="900" dirty="0">
-                          <a:latin typeface="Gotham HTF"/>
-                        </a:rPr>
-                        <a:t>, ICSP, Interrupções e </a:t>
-                      </a:r>
-                      <a:r>
-                        <a:rPr lang="pt-BR" sz="900" dirty="0" err="1">
-                          <a:latin typeface="Gotham HTF"/>
-                        </a:rPr>
-                        <a:t>Watchdog</a:t>
-                      </a:r>
-                      <a:endParaRPr lang="pt-BR" sz="900" dirty="0">
-                        <a:latin typeface="Gotham HTF"/>
-                      </a:endParaRPr>
                     </a:p>
                     <a:p>
                       <a:pPr marL="0" marR="0" lvl="0" indent="0" algn="l" defTabSz="914400" rtl="0" eaLnBrk="1" fontAlgn="auto" latinLnBrk="0" hangingPunct="1">
@@ -16571,44 +16753,13 @@
                     <a:p>
                       <a:r>
                         <a:rPr lang="pt-BR" sz="900" dirty="0">
+                          <a:solidFill>
+                            <a:srgbClr val="FF0000"/>
+                          </a:solidFill>
                           <a:latin typeface="Gotham HTF"/>
                         </a:rPr>
-                        <a:t>Aula 14 – Comunicação I2C vs. SPI</a:t>
+                        <a:t>Aula 14 – Entrega do Checkpoint 3</a:t>
                       </a:r>
-                    </a:p>
-                    <a:p>
-                      <a:pPr marL="0" marR="0" lvl="0" indent="0" algn="l" defTabSz="914400" rtl="0" eaLnBrk="1" fontAlgn="auto" latinLnBrk="0" hangingPunct="1">
-                        <a:lnSpc>
-                          <a:spcPct val="100000"/>
-                        </a:lnSpc>
-                        <a:spcBef>
-                          <a:spcPts val="0"/>
-                        </a:spcBef>
-                        <a:spcAft>
-                          <a:spcPts val="0"/>
-                        </a:spcAft>
-                        <a:buClrTx/>
-                        <a:buSzTx/>
-                        <a:buFontTx/>
-                        <a:buNone/>
-                        <a:tabLst/>
-                        <a:defRPr/>
-                      </a:pPr>
-                      <a:r>
-                        <a:rPr lang="pt-BR" sz="900" dirty="0">
-                          <a:latin typeface="Gotham HTF"/>
-                        </a:rPr>
-                        <a:t>Global </a:t>
-                      </a:r>
-                      <a:r>
-                        <a:rPr lang="pt-BR" sz="900" dirty="0" err="1">
-                          <a:latin typeface="Gotham HTF"/>
-                        </a:rPr>
-                        <a:t>Solutions</a:t>
-                      </a:r>
-                      <a:endParaRPr lang="pt-BR" sz="900" dirty="0">
-                        <a:latin typeface="Gotham HTF"/>
-                      </a:endParaRPr>
                     </a:p>
                   </a:txBody>
                   <a:tcPr/>
